--- a/folien/week7.pptx
+++ b/folien/week7.pptx
@@ -5,7 +5,7 @@
     <p:sldMasterId id="2147483664" r:id="rId1"/>
   </p:sldMasterIdLst>
   <p:notesMasterIdLst>
-    <p:notesMasterId r:id="rId16"/>
+    <p:notesMasterId r:id="rId18"/>
   </p:notesMasterIdLst>
   <p:sldIdLst>
     <p:sldId id="257" r:id="rId2"/>
@@ -15,13 +15,15 @@
     <p:sldId id="317" r:id="rId6"/>
     <p:sldId id="309" r:id="rId7"/>
     <p:sldId id="312" r:id="rId8"/>
-    <p:sldId id="313" r:id="rId9"/>
-    <p:sldId id="314" r:id="rId10"/>
-    <p:sldId id="315" r:id="rId11"/>
-    <p:sldId id="316" r:id="rId12"/>
-    <p:sldId id="307" r:id="rId13"/>
-    <p:sldId id="319" r:id="rId14"/>
-    <p:sldId id="305" r:id="rId15"/>
+    <p:sldId id="310" r:id="rId9"/>
+    <p:sldId id="313" r:id="rId10"/>
+    <p:sldId id="314" r:id="rId11"/>
+    <p:sldId id="315" r:id="rId12"/>
+    <p:sldId id="316" r:id="rId13"/>
+    <p:sldId id="307" r:id="rId14"/>
+    <p:sldId id="319" r:id="rId15"/>
+    <p:sldId id="320" r:id="rId16"/>
+    <p:sldId id="305" r:id="rId17"/>
   </p:sldIdLst>
   <p:sldSz cx="9144000" cy="5143500" type="screen16x9"/>
   <p:notesSz cx="6858000" cy="9144000"/>
@@ -132,12 +134,14 @@
             <p14:sldId id="317"/>
             <p14:sldId id="309"/>
             <p14:sldId id="312"/>
+            <p14:sldId id="310"/>
             <p14:sldId id="313"/>
             <p14:sldId id="314"/>
             <p14:sldId id="315"/>
             <p14:sldId id="316"/>
             <p14:sldId id="307"/>
             <p14:sldId id="319"/>
+            <p14:sldId id="320"/>
             <p14:sldId id="305"/>
           </p14:sldIdLst>
         </p14:section>
@@ -243,7 +247,7 @@
           <a:p>
             <a:fld id="{21C000D9-2858-4F4C-AF5C-64F79A7C2410}" type="datetimeFigureOut">
               <a:rPr lang="en-US" smtClean="0"/>
-              <a:t>11/23/2021</a:t>
+              <a:t>11/24/2021</a:t>
             </a:fld>
             <a:endParaRPr lang="en-US"/>
           </a:p>
@@ -747,7 +751,7 @@
           <a:p>
             <a:fld id="{C347FAF7-5C4E-4642-B377-C3A2CDCC9DA1}" type="slidenum">
               <a:rPr lang="en-US" smtClean="0"/>
-              <a:t>12</a:t>
+              <a:t>13</a:t>
             </a:fld>
             <a:endParaRPr lang="en-US"/>
           </a:p>
@@ -3456,6 +3460,255 @@
           <p:cNvPr id="2" name="Title 1">
             <a:extLst>
               <a:ext uri="{FF2B5EF4-FFF2-40B4-BE49-F238E27FC236}">
+                <a16:creationId xmlns:a16="http://schemas.microsoft.com/office/drawing/2014/main" id="{37BA8E73-2919-499C-899B-EB6F2CA31C6A}"/>
+              </a:ext>
+            </a:extLst>
+          </p:cNvPr>
+          <p:cNvSpPr>
+            <a:spLocks noGrp="1"/>
+          </p:cNvSpPr>
+          <p:nvPr>
+            <p:ph type="title"/>
+          </p:nvPr>
+        </p:nvSpPr>
+        <p:spPr/>
+        <p:txBody>
+          <a:bodyPr/>
+          <a:lstStyle/>
+          <a:p>
+            <a:r>
+              <a:rPr lang="de-DE" dirty="0">
+                <a:latin typeface="Arial" panose="020B0604020202020204" pitchFamily="34" charset="0"/>
+                <a:cs typeface="Arial" panose="020B0604020202020204" pitchFamily="34" charset="0"/>
+              </a:rPr>
+              <a:t>Problemunterricht</a:t>
+            </a:r>
+            <a:endParaRPr lang="de-DE" dirty="0"/>
+          </a:p>
+        </p:txBody>
+      </p:sp>
+      <p:sp>
+        <p:nvSpPr>
+          <p:cNvPr id="3" name="Text Placeholder 2">
+            <a:extLst>
+              <a:ext uri="{FF2B5EF4-FFF2-40B4-BE49-F238E27FC236}">
+                <a16:creationId xmlns:a16="http://schemas.microsoft.com/office/drawing/2014/main" id="{73BCCDC1-EDFD-42AA-957B-842B4DA16F52}"/>
+              </a:ext>
+            </a:extLst>
+          </p:cNvPr>
+          <p:cNvSpPr>
+            <a:spLocks noGrp="1"/>
+          </p:cNvSpPr>
+          <p:nvPr>
+            <p:ph type="body" sz="quarter" idx="10"/>
+          </p:nvPr>
+        </p:nvSpPr>
+        <p:spPr>
+          <a:xfrm>
+            <a:off x="250825" y="1491630"/>
+            <a:ext cx="5617319" cy="3240087"/>
+          </a:xfrm>
+        </p:spPr>
+        <p:txBody>
+          <a:bodyPr/>
+          <a:lstStyle/>
+          <a:p>
+            <a:r>
+              <a:rPr lang="de-DE" sz="1600" dirty="0">
+                <a:latin typeface="Arial" panose="020B0604020202020204" pitchFamily="34" charset="0"/>
+                <a:cs typeface="Arial" panose="020B0604020202020204" pitchFamily="34" charset="0"/>
+              </a:rPr>
+              <a:t>Selbst- und Mitbestimmung und der Solidarität </a:t>
+            </a:r>
+          </a:p>
+          <a:p>
+            <a:r>
+              <a:rPr lang="de-DE" sz="1600" dirty="0">
+                <a:latin typeface="Arial" panose="020B0604020202020204" pitchFamily="34" charset="0"/>
+                <a:cs typeface="Arial" panose="020B0604020202020204" pitchFamily="34" charset="0"/>
+              </a:rPr>
+              <a:t>Mitplanung</a:t>
+            </a:r>
+            <a:endParaRPr lang="de-DE" sz="1600" dirty="0"/>
+          </a:p>
+          <a:p>
+            <a:pPr>
+              <a:lnSpc>
+                <a:spcPct val="120000"/>
+              </a:lnSpc>
+            </a:pPr>
+            <a:r>
+              <a:rPr lang="de-DE" sz="1600" dirty="0">
+                <a:latin typeface="Arial" panose="020B0604020202020204" pitchFamily="34" charset="0"/>
+                <a:cs typeface="Arial" panose="020B0604020202020204" pitchFamily="34" charset="0"/>
+                <a:sym typeface="Wingdings" panose="05000000000000000000" pitchFamily="2" charset="2"/>
+              </a:rPr>
+              <a:t>Offener und schülerzentrierter Unterricht </a:t>
+            </a:r>
+            <a:endParaRPr lang="de-DE" sz="1600" dirty="0">
+              <a:latin typeface="Arial" panose="020B0604020202020204" pitchFamily="34" charset="0"/>
+              <a:cs typeface="Arial" panose="020B0604020202020204" pitchFamily="34" charset="0"/>
+            </a:endParaRPr>
+          </a:p>
+          <a:p>
+            <a:pPr>
+              <a:lnSpc>
+                <a:spcPct val="120000"/>
+              </a:lnSpc>
+            </a:pPr>
+            <a:r>
+              <a:rPr lang="de-DE" sz="1600" dirty="0">
+                <a:latin typeface="Arial" panose="020B0604020202020204" pitchFamily="34" charset="0"/>
+                <a:cs typeface="Arial" panose="020B0604020202020204" pitchFamily="34" charset="0"/>
+              </a:rPr>
+              <a:t>Beispielhafte, intensive Auseinandersetzung mit den </a:t>
+            </a:r>
+            <a:r>
+              <a:rPr lang="de-DE" sz="1600" dirty="0" err="1">
+                <a:latin typeface="Arial" panose="020B0604020202020204" pitchFamily="34" charset="0"/>
+                <a:cs typeface="Arial" panose="020B0604020202020204" pitchFamily="34" charset="0"/>
+              </a:rPr>
+              <a:t>epochaltypischen</a:t>
+            </a:r>
+            <a:r>
+              <a:rPr lang="de-DE" sz="1600" dirty="0">
+                <a:latin typeface="Arial" panose="020B0604020202020204" pitchFamily="34" charset="0"/>
+                <a:cs typeface="Arial" panose="020B0604020202020204" pitchFamily="34" charset="0"/>
+              </a:rPr>
+              <a:t> Problemen</a:t>
+            </a:r>
+          </a:p>
+          <a:p>
+            <a:pPr>
+              <a:lnSpc>
+                <a:spcPct val="120000"/>
+              </a:lnSpc>
+            </a:pPr>
+            <a:r>
+              <a:rPr lang="de-DE" sz="1600" dirty="0">
+                <a:latin typeface="Arial" panose="020B0604020202020204" pitchFamily="34" charset="0"/>
+                <a:cs typeface="Arial" panose="020B0604020202020204" pitchFamily="34" charset="0"/>
+              </a:rPr>
+              <a:t>Gewinnung eines Problembewusstseins: Emotionale Ansprechbarkeit, erste Handlungserfahrungen </a:t>
+            </a:r>
+          </a:p>
+          <a:p>
+            <a:pPr>
+              <a:lnSpc>
+                <a:spcPct val="120000"/>
+              </a:lnSpc>
+            </a:pPr>
+            <a:r>
+              <a:rPr lang="de-DE" sz="1600" dirty="0">
+                <a:latin typeface="Arial" panose="020B0604020202020204" pitchFamily="34" charset="0"/>
+                <a:cs typeface="Arial" panose="020B0604020202020204" pitchFamily="34" charset="0"/>
+              </a:rPr>
+              <a:t>(Selbst-)Kritikbereitschaft, Argumentationsbereitschaft und –</a:t>
+            </a:r>
+            <a:r>
+              <a:rPr lang="de-DE" sz="1600" dirty="0" err="1">
+                <a:latin typeface="Arial" panose="020B0604020202020204" pitchFamily="34" charset="0"/>
+                <a:cs typeface="Arial" panose="020B0604020202020204" pitchFamily="34" charset="0"/>
+              </a:rPr>
+              <a:t>fähigkeit</a:t>
+            </a:r>
+            <a:r>
+              <a:rPr lang="de-DE" sz="1600" dirty="0">
+                <a:latin typeface="Arial" panose="020B0604020202020204" pitchFamily="34" charset="0"/>
+                <a:cs typeface="Arial" panose="020B0604020202020204" pitchFamily="34" charset="0"/>
+              </a:rPr>
+              <a:t>, </a:t>
+            </a:r>
+            <a:r>
+              <a:rPr lang="de-DE" sz="1600" dirty="0" err="1">
+                <a:latin typeface="Arial" panose="020B0604020202020204" pitchFamily="34" charset="0"/>
+                <a:cs typeface="Arial" panose="020B0604020202020204" pitchFamily="34" charset="0"/>
+              </a:rPr>
+              <a:t>Empathiefähigkeit</a:t>
+            </a:r>
+            <a:r>
+              <a:rPr lang="de-DE" sz="1600" dirty="0">
+                <a:latin typeface="Arial" panose="020B0604020202020204" pitchFamily="34" charset="0"/>
+                <a:cs typeface="Arial" panose="020B0604020202020204" pitchFamily="34" charset="0"/>
+              </a:rPr>
+              <a:t>, Fähigkeit in vernetzten Zusammenhängen zu denken</a:t>
+            </a:r>
+          </a:p>
+          <a:p>
+            <a:endParaRPr lang="de-DE" sz="1600" dirty="0"/>
+          </a:p>
+        </p:txBody>
+      </p:sp>
+      <p:pic>
+        <p:nvPicPr>
+          <p:cNvPr id="4" name="Bildplatzhalter 6">
+            <a:extLst>
+              <a:ext uri="{FF2B5EF4-FFF2-40B4-BE49-F238E27FC236}">
+                <a16:creationId xmlns:a16="http://schemas.microsoft.com/office/drawing/2014/main" id="{A85DB7E1-396C-400A-B622-6E8B29CEE245}"/>
+              </a:ext>
+            </a:extLst>
+          </p:cNvPr>
+          <p:cNvPicPr>
+            <a:picLocks noChangeAspect="1"/>
+          </p:cNvPicPr>
+          <p:nvPr/>
+        </p:nvPicPr>
+        <p:blipFill rotWithShape="1">
+          <a:blip r:embed="rId2" cstate="print">
+            <a:extLst>
+              <a:ext uri="{28A0092B-C50C-407E-A947-70E740481C1C}">
+                <a14:useLocalDpi xmlns:a14="http://schemas.microsoft.com/office/drawing/2010/main" val="0"/>
+              </a:ext>
+            </a:extLst>
+          </a:blip>
+          <a:srcRect t="5187" b="8368"/>
+          <a:stretch/>
+        </p:blipFill>
+        <p:spPr>
+          <a:xfrm>
+            <a:off x="5658126" y="929050"/>
+            <a:ext cx="3397142" cy="4018964"/>
+          </a:xfrm>
+          <a:prstGeom prst="rect">
+            <a:avLst/>
+          </a:prstGeom>
+        </p:spPr>
+      </p:pic>
+    </p:spTree>
+    <p:extLst>
+      <p:ext uri="{BB962C8B-B14F-4D97-AF65-F5344CB8AC3E}">
+        <p14:creationId xmlns:p14="http://schemas.microsoft.com/office/powerpoint/2010/main" val="573520617"/>
+      </p:ext>
+    </p:extLst>
+  </p:cSld>
+  <p:clrMapOvr>
+    <a:masterClrMapping/>
+  </p:clrMapOvr>
+</p:sld>
+</file>
+
+<file path=ppt/slides/slide11.xml><?xml version="1.0" encoding="utf-8"?>
+<p:sld xmlns:a="http://schemas.openxmlformats.org/drawingml/2006/main" xmlns:r="http://schemas.openxmlformats.org/officeDocument/2006/relationships" xmlns:p="http://schemas.openxmlformats.org/presentationml/2006/main">
+  <p:cSld>
+    <p:spTree>
+      <p:nvGrpSpPr>
+        <p:cNvPr id="1" name=""/>
+        <p:cNvGrpSpPr/>
+        <p:nvPr/>
+      </p:nvGrpSpPr>
+      <p:grpSpPr>
+        <a:xfrm>
+          <a:off x="0" y="0"/>
+          <a:ext cx="0" cy="0"/>
+          <a:chOff x="0" y="0"/>
+          <a:chExt cx="0" cy="0"/>
+        </a:xfrm>
+      </p:grpSpPr>
+      <p:sp>
+        <p:nvSpPr>
+          <p:cNvPr id="2" name="Title 1">
+            <a:extLst>
+              <a:ext uri="{FF2B5EF4-FFF2-40B4-BE49-F238E27FC236}">
                 <a16:creationId xmlns:a16="http://schemas.microsoft.com/office/drawing/2014/main" id="{EC48AE56-8721-4522-B1F5-68BDB6DE8440}"/>
               </a:ext>
             </a:extLst>
@@ -3520,13 +3773,25 @@
             <a:pPr lvl="1"/>
             <a:r>
               <a:rPr lang="de-DE" sz="1600" dirty="0"/>
-              <a:t>Die Welt- und Selbstbezüge der Kinder und Jugendlichen in der Schule so zu fördern, dass sie ein sinnvolles, verantwortungsbares, reflexionsgeleitetes und genussreiches, also  ein insgesamt befriedigendes und mündiges Leben führen.  </a:t>
-            </a:r>
+              <a:t>Die Welt- und Selbstbezüge der Kinder und Jugendlichen in der Schule so zu fördern, dass sie ein sinnvolles, verantwortungsbares, reflexionsgeleitetes und genussreiches, also ein insgesamt befriedigendes und mündiges Leben führen.  </a:t>
+            </a:r>
+          </a:p>
+          <a:p>
+            <a:pPr lvl="1"/>
+            <a:endParaRPr lang="de-DE" sz="1600" dirty="0"/>
           </a:p>
           <a:p>
             <a:r>
               <a:rPr lang="de-DE" sz="1600" dirty="0"/>
-              <a:t>„Messbarkeit“ von Unterricht durch: </a:t>
+              <a:t>„Messbarkeit“ von Unterricht durch </a:t>
+            </a:r>
+            <a:r>
+              <a:rPr lang="de-DE" sz="1600" dirty="0" err="1"/>
+              <a:t>zB</a:t>
+            </a:r>
+            <a:r>
+              <a:rPr lang="de-DE" sz="1600" dirty="0"/>
+              <a:t>: </a:t>
             </a:r>
           </a:p>
           <a:p>
@@ -3536,7 +3801,7 @@
                 <a:latin typeface="Arial" panose="020B0604020202020204" pitchFamily="34" charset="0"/>
                 <a:cs typeface="Arial" panose="020B0604020202020204" pitchFamily="34" charset="0"/>
               </a:rPr>
-              <a:t>Lebenswirklichkeit</a:t>
+              <a:t>Angebahntes „Verstehen“ über die Schlüsselprobleme</a:t>
             </a:r>
           </a:p>
           <a:p>
@@ -3546,47 +3811,7 @@
                 <a:latin typeface="Arial" panose="020B0604020202020204" pitchFamily="34" charset="0"/>
                 <a:cs typeface="Arial" panose="020B0604020202020204" pitchFamily="34" charset="0"/>
               </a:rPr>
-              <a:t>Angebahntes „Verstehen“ über die Schlüsselprobleme</a:t>
-            </a:r>
-          </a:p>
-          <a:p>
-            <a:pPr lvl="1"/>
-            <a:r>
-              <a:rPr lang="de-DE" sz="1600" dirty="0">
-                <a:latin typeface="Arial" panose="020B0604020202020204" pitchFamily="34" charset="0"/>
-                <a:cs typeface="Arial" panose="020B0604020202020204" pitchFamily="34" charset="0"/>
-              </a:rPr>
-              <a:t>Vielfalt</a:t>
-            </a:r>
-          </a:p>
-          <a:p>
-            <a:pPr lvl="1"/>
-            <a:r>
-              <a:rPr lang="de-DE" sz="1600" dirty="0">
-                <a:latin typeface="Arial" panose="020B0604020202020204" pitchFamily="34" charset="0"/>
-                <a:cs typeface="Arial" panose="020B0604020202020204" pitchFamily="34" charset="0"/>
-              </a:rPr>
-              <a:t>Menschheitsprobleme</a:t>
-            </a:r>
-          </a:p>
-          <a:p>
-            <a:pPr lvl="1"/>
-            <a:r>
-              <a:rPr lang="de-DE" sz="1600" dirty="0">
-                <a:latin typeface="Arial" panose="020B0604020202020204" pitchFamily="34" charset="0"/>
-                <a:cs typeface="Arial" panose="020B0604020202020204" pitchFamily="34" charset="0"/>
-              </a:rPr>
               <a:t>Moralischen Urteilens </a:t>
-            </a:r>
-          </a:p>
-          <a:p>
-            <a:pPr lvl="1"/>
-            <a:r>
-              <a:rPr lang="de-DE" sz="1600" dirty="0">
-                <a:latin typeface="Arial" panose="020B0604020202020204" pitchFamily="34" charset="0"/>
-                <a:cs typeface="Arial" panose="020B0604020202020204" pitchFamily="34" charset="0"/>
-              </a:rPr>
-              <a:t>Bewegungskompetenz</a:t>
             </a:r>
           </a:p>
         </p:txBody>
@@ -3604,7 +3829,7 @@
 </p:sld>
 </file>
 
-<file path=ppt/slides/slide11.xml><?xml version="1.0" encoding="utf-8"?>
+<file path=ppt/slides/slide12.xml><?xml version="1.0" encoding="utf-8"?>
 <p:sld xmlns:a="http://schemas.openxmlformats.org/drawingml/2006/main" xmlns:r="http://schemas.openxmlformats.org/officeDocument/2006/relationships" xmlns:p="http://schemas.openxmlformats.org/presentationml/2006/main">
   <p:cSld>
     <p:spTree>
@@ -3817,7 +4042,7 @@
 </p:sld>
 </file>
 
-<file path=ppt/slides/slide12.xml><?xml version="1.0" encoding="utf-8"?>
+<file path=ppt/slides/slide13.xml><?xml version="1.0" encoding="utf-8"?>
 <p:sld xmlns:a="http://schemas.openxmlformats.org/drawingml/2006/main" xmlns:r="http://schemas.openxmlformats.org/officeDocument/2006/relationships" xmlns:p="http://schemas.openxmlformats.org/presentationml/2006/main">
   <p:cSld>
     <p:spTree>
@@ -3877,7 +4102,7 @@
 </p:sld>
 </file>
 
-<file path=ppt/slides/slide13.xml><?xml version="1.0" encoding="utf-8"?>
+<file path=ppt/slides/slide14.xml><?xml version="1.0" encoding="utf-8"?>
 <p:sld xmlns:a="http://schemas.openxmlformats.org/drawingml/2006/main" xmlns:r="http://schemas.openxmlformats.org/officeDocument/2006/relationships" xmlns:p="http://schemas.openxmlformats.org/presentationml/2006/main">
   <p:cSld>
     <p:spTree>
@@ -4078,7 +4303,141 @@
 </p:sld>
 </file>
 
-<file path=ppt/slides/slide14.xml><?xml version="1.0" encoding="utf-8"?>
+<file path=ppt/slides/slide15.xml><?xml version="1.0" encoding="utf-8"?>
+<p:sld xmlns:a="http://schemas.openxmlformats.org/drawingml/2006/main" xmlns:r="http://schemas.openxmlformats.org/officeDocument/2006/relationships" xmlns:p="http://schemas.openxmlformats.org/presentationml/2006/main">
+  <p:cSld>
+    <p:spTree>
+      <p:nvGrpSpPr>
+        <p:cNvPr id="1" name=""/>
+        <p:cNvGrpSpPr/>
+        <p:nvPr/>
+      </p:nvGrpSpPr>
+      <p:grpSpPr>
+        <a:xfrm>
+          <a:off x="0" y="0"/>
+          <a:ext cx="0" cy="0"/>
+          <a:chOff x="0" y="0"/>
+          <a:chExt cx="0" cy="0"/>
+        </a:xfrm>
+      </p:grpSpPr>
+      <p:sp>
+        <p:nvSpPr>
+          <p:cNvPr id="2" name="Title 1">
+            <a:extLst>
+              <a:ext uri="{FF2B5EF4-FFF2-40B4-BE49-F238E27FC236}">
+                <a16:creationId xmlns:a16="http://schemas.microsoft.com/office/drawing/2014/main" id="{EE1E9FD0-8FA8-4026-A7C2-ED31646FB820}"/>
+              </a:ext>
+            </a:extLst>
+          </p:cNvPr>
+          <p:cNvSpPr>
+            <a:spLocks noGrp="1"/>
+          </p:cNvSpPr>
+          <p:nvPr>
+            <p:ph type="title"/>
+          </p:nvPr>
+        </p:nvSpPr>
+        <p:spPr/>
+        <p:txBody>
+          <a:bodyPr/>
+          <a:lstStyle/>
+          <a:p>
+            <a:r>
+              <a:rPr lang="de-DE" sz="3200" dirty="0"/>
+              <a:t>Weiterführende Aufgaben zum Text</a:t>
+            </a:r>
+            <a:br>
+              <a:rPr lang="de-DE" sz="3200" dirty="0"/>
+            </a:br>
+            <a:endParaRPr lang="de-DE" dirty="0"/>
+          </a:p>
+        </p:txBody>
+      </p:sp>
+      <p:sp>
+        <p:nvSpPr>
+          <p:cNvPr id="3" name="Text Placeholder 2">
+            <a:extLst>
+              <a:ext uri="{FF2B5EF4-FFF2-40B4-BE49-F238E27FC236}">
+                <a16:creationId xmlns:a16="http://schemas.microsoft.com/office/drawing/2014/main" id="{6E89BBF6-8784-4647-A374-8822AEE334C5}"/>
+              </a:ext>
+            </a:extLst>
+          </p:cNvPr>
+          <p:cNvSpPr>
+            <a:spLocks noGrp="1"/>
+          </p:cNvSpPr>
+          <p:nvPr>
+            <p:ph type="body" sz="quarter" idx="10"/>
+          </p:nvPr>
+        </p:nvSpPr>
+        <p:spPr/>
+        <p:txBody>
+          <a:bodyPr/>
+          <a:lstStyle/>
+          <a:p>
+            <a:r>
+              <a:rPr lang="de-DE" sz="1500" dirty="0"/>
+              <a:t>1. </a:t>
+            </a:r>
+            <a:r>
+              <a:rPr lang="de-DE" sz="1500" b="1" dirty="0"/>
+              <a:t>Untersuchen Sie die Lehrpläne Ihrer Unterrichtsfächer</a:t>
+            </a:r>
+            <a:r>
+              <a:rPr lang="de-DE" sz="1500" dirty="0"/>
+              <a:t>! Finden sich in den erwarteten Kompetenzen und Inhalten Elemente kritisch-konstruktiver Didaktik (z. B. Schlüsselprobleme, Fähigkeiten)? Erörtern Sie Ihre Befunde!</a:t>
+            </a:r>
+          </a:p>
+          <a:p>
+            <a:r>
+              <a:rPr lang="de-DE" sz="1500" dirty="0"/>
+              <a:t>2. Denken Sie einmal zurück an Ihr letztes Schulpraktikum – zum Beispiel mithilfe Ihres Portfolios. Rekonstruieren Sie nun die </a:t>
+            </a:r>
+            <a:r>
+              <a:rPr lang="de-DE" sz="1500" b="1" dirty="0"/>
+              <a:t>gegenwärtig zentralen Herausforderungen</a:t>
+            </a:r>
+            <a:r>
+              <a:rPr lang="de-DE" sz="1500" dirty="0"/>
+              <a:t>, die sich Ihren Schülerinnen und Schülern und dem Kollegium stellten. Diskutieren Sie, ob diese Herausforderungen ähnliche Qualitäten als </a:t>
+            </a:r>
+            <a:r>
+              <a:rPr lang="de-DE" sz="1500" b="1" dirty="0"/>
+              <a:t>Schlüsselprobleme</a:t>
+            </a:r>
+            <a:r>
+              <a:rPr lang="de-DE" sz="1500" dirty="0"/>
+              <a:t> haben, wie die der Lehrerin im Filmbeispiel. Wenn dies nicht der Fall ist: Entwickeln Sie für Ihre Schülerinnen und Schüler relevante Schüsselprobleme in Ihren Fächern! Denken Sie hierbei bitte vor allem an verdeckte Strukturen (wie z. B. unausgesprochene Behindertenfeindlichkeit, die heteronormative Haltung gegenüber Sexualität etc.).</a:t>
+            </a:r>
+          </a:p>
+          <a:p>
+            <a:r>
+              <a:rPr lang="de-DE" sz="1500" dirty="0"/>
+              <a:t>3. Analysieren Sie </a:t>
+            </a:r>
+            <a:r>
+              <a:rPr lang="de-DE" sz="1500" b="1" dirty="0"/>
+              <a:t>die Gegenwarts- und die Zukunftsbedeutung</a:t>
+            </a:r>
+            <a:r>
+              <a:rPr lang="de-DE" sz="1500" dirty="0"/>
+              <a:t>, die der Inhalt dieses Artikels für Sie persönlich hat: Wurde er Ihnen zum Bildungsgehalt? Und wenn nicht: Warum nicht?</a:t>
+            </a:r>
+          </a:p>
+        </p:txBody>
+      </p:sp>
+    </p:spTree>
+    <p:extLst>
+      <p:ext uri="{BB962C8B-B14F-4D97-AF65-F5344CB8AC3E}">
+        <p14:creationId xmlns:p14="http://schemas.microsoft.com/office/powerpoint/2010/main" val="3635386302"/>
+      </p:ext>
+    </p:extLst>
+  </p:cSld>
+  <p:clrMapOvr>
+    <a:masterClrMapping/>
+  </p:clrMapOvr>
+</p:sld>
+</file>
+
+<file path=ppt/slides/slide16.xml><?xml version="1.0" encoding="utf-8"?>
 <p:sld xmlns:a="http://schemas.openxmlformats.org/drawingml/2006/main" xmlns:r="http://schemas.openxmlformats.org/officeDocument/2006/relationships" xmlns:p="http://schemas.openxmlformats.org/presentationml/2006/main">
   <p:cSld>
     <p:spTree>
@@ -4550,34 +4909,34 @@
           <a:p>
             <a:pPr lvl="1"/>
             <a:r>
-              <a:rPr lang="de-DE" sz="2000" dirty="0"/>
+              <a:rPr lang="de-DE" sz="1600" dirty="0"/>
               <a:t>Veraltete Theorien verwenden </a:t>
             </a:r>
           </a:p>
           <a:p>
             <a:pPr lvl="1"/>
             <a:r>
-              <a:rPr lang="de-DE" sz="2000" dirty="0"/>
+              <a:rPr lang="de-DE" sz="1600" dirty="0"/>
               <a:t>Vorwissen voraussetzen, dass gar nicht vorhanden ist.</a:t>
             </a:r>
           </a:p>
           <a:p>
             <a:r>
               <a:rPr lang="de-DE" sz="1600" dirty="0"/>
-              <a:t>Also:</a:t>
+              <a:t>auch:</a:t>
             </a:r>
           </a:p>
           <a:p>
             <a:pPr lvl="1"/>
             <a:r>
-              <a:rPr lang="de-DE" sz="2000" dirty="0"/>
+              <a:rPr lang="de-DE" sz="1600" dirty="0"/>
               <a:t>Herausfinden was im Leben der lernenden relevant ist, um aus zu machen, was anschlussfähig ist</a:t>
             </a:r>
           </a:p>
           <a:p>
             <a:pPr lvl="1"/>
             <a:r>
-              <a:rPr lang="de-DE" sz="2000" dirty="0"/>
+              <a:rPr lang="de-DE" sz="1600" dirty="0"/>
               <a:t>Schüler*innen sollten die Bedeutung des Gelernten für ihr eigenes Leben erkennen können </a:t>
             </a:r>
           </a:p>
@@ -4940,6 +5299,16 @@
             </a:r>
           </a:p>
           <a:p>
+            <a:pPr lvl="1"/>
+            <a:r>
+              <a:rPr lang="de-DE" sz="1400" dirty="0">
+                <a:latin typeface="Arial" panose="020B0604020202020204" pitchFamily="34" charset="0"/>
+                <a:cs typeface="Arial" panose="020B0604020202020204" pitchFamily="34" charset="0"/>
+              </a:rPr>
+              <a:t>Gegenwartsbedeutung, Zukunftsbedeutung, Exemplarische Bedeutung</a:t>
+            </a:r>
+          </a:p>
+          <a:p>
             <a:r>
               <a:rPr lang="de-DE" sz="1400" b="1" dirty="0">
                 <a:latin typeface="Arial" panose="020B0604020202020204" pitchFamily="34" charset="0"/>
@@ -5005,7 +5374,7 @@
                 <a:latin typeface="Arial" panose="020B0604020202020204" pitchFamily="34" charset="0"/>
                 <a:cs typeface="Arial" panose="020B0604020202020204" pitchFamily="34" charset="0"/>
               </a:rPr>
-              <a:t>(Medienwahl, Projektunterricht, offener Unterricht…)</a:t>
+              <a:t>(Medienwahl, Projektunterricht, offener Unterricht…) </a:t>
             </a:r>
           </a:p>
           <a:p>
@@ -5325,7 +5694,7 @@
                 <a:latin typeface="Arial" panose="020B0604020202020204" pitchFamily="34" charset="0"/>
                 <a:cs typeface="Arial" panose="020B0604020202020204" pitchFamily="34" charset="0"/>
               </a:rPr>
-              <a:t>Kritisch: Aufklärerisches und humanistisches Menschenbild </a:t>
+              <a:t>Kritisch: Aufklärerisches und humanistisches Menschenbild: Demokratisierung </a:t>
             </a:r>
           </a:p>
           <a:p>
@@ -5410,6 +5779,225 @@
 </file>
 
 <file path=ppt/slides/slide8.xml><?xml version="1.0" encoding="utf-8"?>
+<p:sld xmlns:a="http://schemas.openxmlformats.org/drawingml/2006/main" xmlns:r="http://schemas.openxmlformats.org/officeDocument/2006/relationships" xmlns:p="http://schemas.openxmlformats.org/presentationml/2006/main" show="0">
+  <p:cSld>
+    <p:spTree>
+      <p:nvGrpSpPr>
+        <p:cNvPr id="1" name=""/>
+        <p:cNvGrpSpPr/>
+        <p:nvPr/>
+      </p:nvGrpSpPr>
+      <p:grpSpPr>
+        <a:xfrm>
+          <a:off x="0" y="0"/>
+          <a:ext cx="0" cy="0"/>
+          <a:chOff x="0" y="0"/>
+          <a:chExt cx="0" cy="0"/>
+        </a:xfrm>
+      </p:grpSpPr>
+      <p:sp>
+        <p:nvSpPr>
+          <p:cNvPr id="2" name="Title 1">
+            <a:extLst>
+              <a:ext uri="{FF2B5EF4-FFF2-40B4-BE49-F238E27FC236}">
+                <a16:creationId xmlns:a16="http://schemas.microsoft.com/office/drawing/2014/main" id="{AEF9AE2B-58C1-4DAA-9176-EC32D7D2541C}"/>
+              </a:ext>
+            </a:extLst>
+          </p:cNvPr>
+          <p:cNvSpPr>
+            <a:spLocks noGrp="1"/>
+          </p:cNvSpPr>
+          <p:nvPr>
+            <p:ph type="title"/>
+          </p:nvPr>
+        </p:nvSpPr>
+        <p:spPr/>
+        <p:txBody>
+          <a:bodyPr/>
+          <a:lstStyle/>
+          <a:p>
+            <a:r>
+              <a:rPr lang="de-DE" dirty="0">
+                <a:latin typeface="Arial" panose="020B0604020202020204" pitchFamily="34" charset="0"/>
+                <a:cs typeface="Arial" panose="020B0604020202020204" pitchFamily="34" charset="0"/>
+              </a:rPr>
+              <a:t>Klafkis Bildungsverständnis</a:t>
+            </a:r>
+            <a:endParaRPr lang="de-DE" dirty="0"/>
+          </a:p>
+        </p:txBody>
+      </p:sp>
+      <p:sp>
+        <p:nvSpPr>
+          <p:cNvPr id="3" name="Text Placeholder 2">
+            <a:extLst>
+              <a:ext uri="{FF2B5EF4-FFF2-40B4-BE49-F238E27FC236}">
+                <a16:creationId xmlns:a16="http://schemas.microsoft.com/office/drawing/2014/main" id="{CFC89322-7232-439A-9AF6-361525741159}"/>
+              </a:ext>
+            </a:extLst>
+          </p:cNvPr>
+          <p:cNvSpPr>
+            <a:spLocks noGrp="1"/>
+          </p:cNvSpPr>
+          <p:nvPr>
+            <p:ph type="body" sz="quarter" idx="10"/>
+          </p:nvPr>
+        </p:nvSpPr>
+        <p:spPr/>
+        <p:txBody>
+          <a:bodyPr/>
+          <a:lstStyle/>
+          <a:p>
+            <a:pPr marL="0" indent="0">
+              <a:buNone/>
+            </a:pPr>
+            <a:r>
+              <a:rPr lang="de-DE" sz="1600" dirty="0"/>
+              <a:t>Ziel</a:t>
+            </a:r>
+          </a:p>
+          <a:p>
+            <a:r>
+              <a:rPr lang="de-DE" sz="1600" dirty="0"/>
+              <a:t>Bildung wird zum pädagogisch-politischen Auftrag </a:t>
+            </a:r>
+          </a:p>
+          <a:p>
+            <a:r>
+              <a:rPr lang="de-DE" sz="1600" dirty="0"/>
+              <a:t>Demokratisierung von Bildung und Schule </a:t>
+            </a:r>
+          </a:p>
+          <a:p>
+            <a:r>
+              <a:rPr lang="de-DE" sz="1600" dirty="0"/>
+              <a:t>Individuum verinnerlicht kulturelle Inhalte (material) und innere Kräfte (formal) </a:t>
+            </a:r>
+          </a:p>
+          <a:p>
+            <a:pPr marL="0" indent="0">
+              <a:buNone/>
+            </a:pPr>
+            <a:endParaRPr lang="de-DE" sz="1600" dirty="0"/>
+          </a:p>
+          <a:p>
+            <a:pPr marL="0" indent="0">
+              <a:buNone/>
+            </a:pPr>
+            <a:r>
+              <a:rPr lang="de-DE" sz="1600" dirty="0"/>
+              <a:t>Aspekte</a:t>
+            </a:r>
+          </a:p>
+          <a:p>
+            <a:r>
+              <a:rPr lang="de-DE" sz="1600" dirty="0">
+                <a:latin typeface="Arial" panose="020B0604020202020204" pitchFamily="34" charset="0"/>
+                <a:cs typeface="Arial" panose="020B0604020202020204" pitchFamily="34" charset="0"/>
+              </a:rPr>
+              <a:t>Verpflichtung zur </a:t>
+            </a:r>
+            <a:r>
+              <a:rPr lang="de-DE" sz="1600" b="1" dirty="0">
+                <a:latin typeface="Arial" panose="020B0604020202020204" pitchFamily="34" charset="0"/>
+                <a:cs typeface="Arial" panose="020B0604020202020204" pitchFamily="34" charset="0"/>
+              </a:rPr>
+              <a:t>Aufklärung und Mündigkeit </a:t>
+            </a:r>
+          </a:p>
+          <a:p>
+            <a:r>
+              <a:rPr lang="de-DE" sz="1600" dirty="0">
+                <a:latin typeface="Arial" panose="020B0604020202020204" pitchFamily="34" charset="0"/>
+                <a:cs typeface="Arial" panose="020B0604020202020204" pitchFamily="34" charset="0"/>
+              </a:rPr>
+              <a:t>Allgemeine Bildung als </a:t>
+            </a:r>
+            <a:r>
+              <a:rPr lang="de-DE" sz="1600" b="1" dirty="0">
+                <a:latin typeface="Arial" panose="020B0604020202020204" pitchFamily="34" charset="0"/>
+                <a:cs typeface="Arial" panose="020B0604020202020204" pitchFamily="34" charset="0"/>
+              </a:rPr>
+              <a:t>all</a:t>
+            </a:r>
+            <a:r>
+              <a:rPr lang="de-DE" sz="1600" dirty="0">
+                <a:latin typeface="Arial" panose="020B0604020202020204" pitchFamily="34" charset="0"/>
+                <a:cs typeface="Arial" panose="020B0604020202020204" pitchFamily="34" charset="0"/>
+              </a:rPr>
+              <a:t>seitige Bildung für </a:t>
+            </a:r>
+            <a:r>
+              <a:rPr lang="de-DE" sz="1600" b="1" dirty="0">
+                <a:latin typeface="Arial" panose="020B0604020202020204" pitchFamily="34" charset="0"/>
+                <a:cs typeface="Arial" panose="020B0604020202020204" pitchFamily="34" charset="0"/>
+              </a:rPr>
+              <a:t>alle </a:t>
+            </a:r>
+            <a:r>
+              <a:rPr lang="de-DE" sz="1600" dirty="0">
+                <a:latin typeface="Arial" panose="020B0604020202020204" pitchFamily="34" charset="0"/>
+                <a:cs typeface="Arial" panose="020B0604020202020204" pitchFamily="34" charset="0"/>
+              </a:rPr>
+              <a:t>Menschen im Medium des </a:t>
+            </a:r>
+            <a:r>
+              <a:rPr lang="de-DE" sz="1600" b="1" dirty="0">
+                <a:latin typeface="Arial" panose="020B0604020202020204" pitchFamily="34" charset="0"/>
+                <a:cs typeface="Arial" panose="020B0604020202020204" pitchFamily="34" charset="0"/>
+              </a:rPr>
+              <a:t>All</a:t>
+            </a:r>
+            <a:r>
+              <a:rPr lang="de-DE" sz="1600" dirty="0">
+                <a:latin typeface="Arial" panose="020B0604020202020204" pitchFamily="34" charset="0"/>
+                <a:cs typeface="Arial" panose="020B0604020202020204" pitchFamily="34" charset="0"/>
+              </a:rPr>
+              <a:t>gemeinen</a:t>
+            </a:r>
+          </a:p>
+          <a:p>
+            <a:r>
+              <a:rPr lang="de-DE" altLang="de-DE" sz="1600" dirty="0">
+                <a:latin typeface="Arial" panose="020B0604020202020204" pitchFamily="34" charset="0"/>
+                <a:cs typeface="Arial" panose="020B0604020202020204" pitchFamily="34" charset="0"/>
+              </a:rPr>
+              <a:t>Bildung als „Fähigkeit eines Menschen, in Auseinandersetzung mit der Welt </a:t>
+            </a:r>
+            <a:r>
+              <a:rPr lang="de-DE" altLang="de-DE" sz="1600" b="1" dirty="0">
+                <a:latin typeface="Arial" panose="020B0604020202020204" pitchFamily="34" charset="0"/>
+                <a:cs typeface="Arial" panose="020B0604020202020204" pitchFamily="34" charset="0"/>
+              </a:rPr>
+              <a:t>selbstbestimmt und solidarisch </a:t>
+            </a:r>
+            <a:r>
+              <a:rPr lang="de-DE" altLang="de-DE" sz="1600" dirty="0">
+                <a:latin typeface="Arial" panose="020B0604020202020204" pitchFamily="34" charset="0"/>
+                <a:cs typeface="Arial" panose="020B0604020202020204" pitchFamily="34" charset="0"/>
+              </a:rPr>
+              <a:t>zu denken, zu handeln und sich weiterzuentwickeln“ </a:t>
+            </a:r>
+          </a:p>
+          <a:p>
+            <a:endParaRPr lang="de-DE" sz="1600" dirty="0"/>
+          </a:p>
+        </p:txBody>
+      </p:sp>
+    </p:spTree>
+    <p:extLst>
+      <p:ext uri="{BB962C8B-B14F-4D97-AF65-F5344CB8AC3E}">
+        <p14:creationId xmlns:p14="http://schemas.microsoft.com/office/powerpoint/2010/main" val="3969009732"/>
+      </p:ext>
+    </p:extLst>
+  </p:cSld>
+  <p:clrMapOvr>
+    <a:masterClrMapping/>
+  </p:clrMapOvr>
+</p:sld>
+</file>
+
+<file path=ppt/slides/slide9.xml><?xml version="1.0" encoding="utf-8"?>
 <p:sld xmlns:a="http://schemas.openxmlformats.org/drawingml/2006/main" xmlns:r="http://schemas.openxmlformats.org/officeDocument/2006/relationships" xmlns:p="http://schemas.openxmlformats.org/presentationml/2006/main">
   <p:cSld>
     <p:spTree>
@@ -5577,255 +6165,6 @@
     <p:extLst>
       <p:ext uri="{BB962C8B-B14F-4D97-AF65-F5344CB8AC3E}">
         <p14:creationId xmlns:p14="http://schemas.microsoft.com/office/powerpoint/2010/main" val="3419375643"/>
-      </p:ext>
-    </p:extLst>
-  </p:cSld>
-  <p:clrMapOvr>
-    <a:masterClrMapping/>
-  </p:clrMapOvr>
-</p:sld>
-</file>
-
-<file path=ppt/slides/slide9.xml><?xml version="1.0" encoding="utf-8"?>
-<p:sld xmlns:a="http://schemas.openxmlformats.org/drawingml/2006/main" xmlns:r="http://schemas.openxmlformats.org/officeDocument/2006/relationships" xmlns:p="http://schemas.openxmlformats.org/presentationml/2006/main">
-  <p:cSld>
-    <p:spTree>
-      <p:nvGrpSpPr>
-        <p:cNvPr id="1" name=""/>
-        <p:cNvGrpSpPr/>
-        <p:nvPr/>
-      </p:nvGrpSpPr>
-      <p:grpSpPr>
-        <a:xfrm>
-          <a:off x="0" y="0"/>
-          <a:ext cx="0" cy="0"/>
-          <a:chOff x="0" y="0"/>
-          <a:chExt cx="0" cy="0"/>
-        </a:xfrm>
-      </p:grpSpPr>
-      <p:sp>
-        <p:nvSpPr>
-          <p:cNvPr id="2" name="Title 1">
-            <a:extLst>
-              <a:ext uri="{FF2B5EF4-FFF2-40B4-BE49-F238E27FC236}">
-                <a16:creationId xmlns:a16="http://schemas.microsoft.com/office/drawing/2014/main" id="{37BA8E73-2919-499C-899B-EB6F2CA31C6A}"/>
-              </a:ext>
-            </a:extLst>
-          </p:cNvPr>
-          <p:cNvSpPr>
-            <a:spLocks noGrp="1"/>
-          </p:cNvSpPr>
-          <p:nvPr>
-            <p:ph type="title"/>
-          </p:nvPr>
-        </p:nvSpPr>
-        <p:spPr/>
-        <p:txBody>
-          <a:bodyPr/>
-          <a:lstStyle/>
-          <a:p>
-            <a:r>
-              <a:rPr lang="de-DE" dirty="0">
-                <a:latin typeface="Arial" panose="020B0604020202020204" pitchFamily="34" charset="0"/>
-                <a:cs typeface="Arial" panose="020B0604020202020204" pitchFamily="34" charset="0"/>
-              </a:rPr>
-              <a:t>Problemunterricht</a:t>
-            </a:r>
-            <a:endParaRPr lang="de-DE" dirty="0"/>
-          </a:p>
-        </p:txBody>
-      </p:sp>
-      <p:sp>
-        <p:nvSpPr>
-          <p:cNvPr id="3" name="Text Placeholder 2">
-            <a:extLst>
-              <a:ext uri="{FF2B5EF4-FFF2-40B4-BE49-F238E27FC236}">
-                <a16:creationId xmlns:a16="http://schemas.microsoft.com/office/drawing/2014/main" id="{73BCCDC1-EDFD-42AA-957B-842B4DA16F52}"/>
-              </a:ext>
-            </a:extLst>
-          </p:cNvPr>
-          <p:cNvSpPr>
-            <a:spLocks noGrp="1"/>
-          </p:cNvSpPr>
-          <p:nvPr>
-            <p:ph type="body" sz="quarter" idx="10"/>
-          </p:nvPr>
-        </p:nvSpPr>
-        <p:spPr>
-          <a:xfrm>
-            <a:off x="250825" y="1491630"/>
-            <a:ext cx="5617319" cy="3240087"/>
-          </a:xfrm>
-        </p:spPr>
-        <p:txBody>
-          <a:bodyPr/>
-          <a:lstStyle/>
-          <a:p>
-            <a:r>
-              <a:rPr lang="de-DE" sz="1600" dirty="0">
-                <a:latin typeface="Arial" panose="020B0604020202020204" pitchFamily="34" charset="0"/>
-                <a:cs typeface="Arial" panose="020B0604020202020204" pitchFamily="34" charset="0"/>
-              </a:rPr>
-              <a:t>Selbst- und Mitbestimmung und der Solidarität </a:t>
-            </a:r>
-          </a:p>
-          <a:p>
-            <a:r>
-              <a:rPr lang="de-DE" sz="1600" dirty="0">
-                <a:latin typeface="Arial" panose="020B0604020202020204" pitchFamily="34" charset="0"/>
-                <a:cs typeface="Arial" panose="020B0604020202020204" pitchFamily="34" charset="0"/>
-              </a:rPr>
-              <a:t>Mitplanung</a:t>
-            </a:r>
-            <a:endParaRPr lang="de-DE" sz="1600" dirty="0"/>
-          </a:p>
-          <a:p>
-            <a:pPr>
-              <a:lnSpc>
-                <a:spcPct val="120000"/>
-              </a:lnSpc>
-            </a:pPr>
-            <a:r>
-              <a:rPr lang="de-DE" sz="1600" dirty="0">
-                <a:latin typeface="Arial" panose="020B0604020202020204" pitchFamily="34" charset="0"/>
-                <a:cs typeface="Arial" panose="020B0604020202020204" pitchFamily="34" charset="0"/>
-                <a:sym typeface="Wingdings" panose="05000000000000000000" pitchFamily="2" charset="2"/>
-              </a:rPr>
-              <a:t>Offener und schülerzentrierter Unterricht </a:t>
-            </a:r>
-            <a:endParaRPr lang="de-DE" sz="1600" dirty="0">
-              <a:latin typeface="Arial" panose="020B0604020202020204" pitchFamily="34" charset="0"/>
-              <a:cs typeface="Arial" panose="020B0604020202020204" pitchFamily="34" charset="0"/>
-            </a:endParaRPr>
-          </a:p>
-          <a:p>
-            <a:pPr>
-              <a:lnSpc>
-                <a:spcPct val="120000"/>
-              </a:lnSpc>
-            </a:pPr>
-            <a:r>
-              <a:rPr lang="de-DE" sz="1600" dirty="0">
-                <a:latin typeface="Arial" panose="020B0604020202020204" pitchFamily="34" charset="0"/>
-                <a:cs typeface="Arial" panose="020B0604020202020204" pitchFamily="34" charset="0"/>
-              </a:rPr>
-              <a:t>Beispielhafte, intensive Auseinandersetzung mit den </a:t>
-            </a:r>
-            <a:r>
-              <a:rPr lang="de-DE" sz="1600" dirty="0" err="1">
-                <a:latin typeface="Arial" panose="020B0604020202020204" pitchFamily="34" charset="0"/>
-                <a:cs typeface="Arial" panose="020B0604020202020204" pitchFamily="34" charset="0"/>
-              </a:rPr>
-              <a:t>epochaltypischen</a:t>
-            </a:r>
-            <a:r>
-              <a:rPr lang="de-DE" sz="1600" dirty="0">
-                <a:latin typeface="Arial" panose="020B0604020202020204" pitchFamily="34" charset="0"/>
-                <a:cs typeface="Arial" panose="020B0604020202020204" pitchFamily="34" charset="0"/>
-              </a:rPr>
-              <a:t> Problemen</a:t>
-            </a:r>
-          </a:p>
-          <a:p>
-            <a:pPr>
-              <a:lnSpc>
-                <a:spcPct val="120000"/>
-              </a:lnSpc>
-            </a:pPr>
-            <a:r>
-              <a:rPr lang="de-DE" sz="1600" dirty="0">
-                <a:latin typeface="Arial" panose="020B0604020202020204" pitchFamily="34" charset="0"/>
-                <a:cs typeface="Arial" panose="020B0604020202020204" pitchFamily="34" charset="0"/>
-              </a:rPr>
-              <a:t>Gewinnung eines Problembewusstseins: Emotionale Ansprechbarkeit, erste Handlungserfahrungen </a:t>
-            </a:r>
-          </a:p>
-          <a:p>
-            <a:pPr>
-              <a:lnSpc>
-                <a:spcPct val="120000"/>
-              </a:lnSpc>
-            </a:pPr>
-            <a:r>
-              <a:rPr lang="de-DE" sz="1600" dirty="0">
-                <a:latin typeface="Arial" panose="020B0604020202020204" pitchFamily="34" charset="0"/>
-                <a:cs typeface="Arial" panose="020B0604020202020204" pitchFamily="34" charset="0"/>
-              </a:rPr>
-              <a:t>(Selbst-)Kritikbereitschaft, Argumentationsbereitschaft und –</a:t>
-            </a:r>
-            <a:r>
-              <a:rPr lang="de-DE" sz="1600" dirty="0" err="1">
-                <a:latin typeface="Arial" panose="020B0604020202020204" pitchFamily="34" charset="0"/>
-                <a:cs typeface="Arial" panose="020B0604020202020204" pitchFamily="34" charset="0"/>
-              </a:rPr>
-              <a:t>fähigkeit</a:t>
-            </a:r>
-            <a:r>
-              <a:rPr lang="de-DE" sz="1600" dirty="0">
-                <a:latin typeface="Arial" panose="020B0604020202020204" pitchFamily="34" charset="0"/>
-                <a:cs typeface="Arial" panose="020B0604020202020204" pitchFamily="34" charset="0"/>
-              </a:rPr>
-              <a:t>, </a:t>
-            </a:r>
-            <a:r>
-              <a:rPr lang="de-DE" sz="1600" dirty="0" err="1">
-                <a:latin typeface="Arial" panose="020B0604020202020204" pitchFamily="34" charset="0"/>
-                <a:cs typeface="Arial" panose="020B0604020202020204" pitchFamily="34" charset="0"/>
-              </a:rPr>
-              <a:t>Empathiefähigkeit</a:t>
-            </a:r>
-            <a:r>
-              <a:rPr lang="de-DE" sz="1600" dirty="0">
-                <a:latin typeface="Arial" panose="020B0604020202020204" pitchFamily="34" charset="0"/>
-                <a:cs typeface="Arial" panose="020B0604020202020204" pitchFamily="34" charset="0"/>
-              </a:rPr>
-              <a:t>, Fähigkeit in vernetzten Zusammenhängen zu denken</a:t>
-            </a:r>
-          </a:p>
-          <a:p>
-            <a:endParaRPr lang="de-DE" sz="1600" dirty="0"/>
-          </a:p>
-        </p:txBody>
-      </p:sp>
-      <p:pic>
-        <p:nvPicPr>
-          <p:cNvPr id="4" name="Bildplatzhalter 6">
-            <a:extLst>
-              <a:ext uri="{FF2B5EF4-FFF2-40B4-BE49-F238E27FC236}">
-                <a16:creationId xmlns:a16="http://schemas.microsoft.com/office/drawing/2014/main" id="{A85DB7E1-396C-400A-B622-6E8B29CEE245}"/>
-              </a:ext>
-            </a:extLst>
-          </p:cNvPr>
-          <p:cNvPicPr>
-            <a:picLocks noChangeAspect="1"/>
-          </p:cNvPicPr>
-          <p:nvPr/>
-        </p:nvPicPr>
-        <p:blipFill rotWithShape="1">
-          <a:blip r:embed="rId2" cstate="print">
-            <a:extLst>
-              <a:ext uri="{28A0092B-C50C-407E-A947-70E740481C1C}">
-                <a14:useLocalDpi xmlns:a14="http://schemas.microsoft.com/office/drawing/2010/main" val="0"/>
-              </a:ext>
-            </a:extLst>
-          </a:blip>
-          <a:srcRect t="5187" b="8368"/>
-          <a:stretch/>
-        </p:blipFill>
-        <p:spPr>
-          <a:xfrm>
-            <a:off x="5658126" y="929050"/>
-            <a:ext cx="3397142" cy="4018964"/>
-          </a:xfrm>
-          <a:prstGeom prst="rect">
-            <a:avLst/>
-          </a:prstGeom>
-        </p:spPr>
-      </p:pic>
-    </p:spTree>
-    <p:extLst>
-      <p:ext uri="{BB962C8B-B14F-4D97-AF65-F5344CB8AC3E}">
-        <p14:creationId xmlns:p14="http://schemas.microsoft.com/office/powerpoint/2010/main" val="573520617"/>
       </p:ext>
     </p:extLst>
   </p:cSld>
